--- a/_book/plot/pro-survey-q17-bar-1.pptx
+++ b/_book/plot/pro-survey-q17-bar-1.pptx
@@ -3218,7 +3218,7 @@
           </p:nvSpPr>
           <p:spPr>
             <a:xfrm>
-              <a:off x="4020435" y="1590617"/>
+              <a:off x="4265367" y="1590617"/>
               <a:ext cx="0" cy="4048310"/>
             </a:xfrm>
             <a:custGeom>
@@ -3261,7 +3261,7 @@
           </p:nvSpPr>
           <p:spPr>
             <a:xfrm>
-              <a:off x="5120998" y="1590617"/>
+              <a:off x="5855796" y="1590617"/>
               <a:ext cx="0" cy="4048310"/>
             </a:xfrm>
             <a:custGeom>
@@ -3304,7 +3304,7 @@
           </p:nvSpPr>
           <p:spPr>
             <a:xfrm>
-              <a:off x="6221562" y="1590617"/>
+              <a:off x="7446224" y="1590617"/>
               <a:ext cx="0" cy="4048310"/>
             </a:xfrm>
             <a:custGeom>
@@ -3347,92 +3347,6 @@
           </p:nvSpPr>
           <p:spPr>
             <a:xfrm>
-              <a:off x="7322125" y="1590617"/>
-              <a:ext cx="0" cy="4048310"/>
-            </a:xfrm>
-            <a:custGeom>
-              <a:avLst/>
-              <a:pathLst>
-                <a:path w="0" h="4048310">
-                  <a:moveTo>
-                    <a:pt x="0" y="4048310"/>
-                  </a:moveTo>
-                  <a:lnTo>
-                    <a:pt x="0" y="0"/>
-                  </a:lnTo>
-                  <a:lnTo>
-                    <a:pt x="0" y="0"/>
-                  </a:lnTo>
-                </a:path>
-              </a:pathLst>
-            </a:custGeom>
-            <a:ln w="3387" cap="flat">
-              <a:solidFill>
-                <a:srgbClr val="DEDEDE">
-                  <a:alpha val="100000"/>
-                </a:srgbClr>
-              </a:solidFill>
-              <a:prstDash val="solid"/>
-              <a:round/>
-            </a:ln>
-          </p:spPr>
-          <p:txBody>
-            <a:bodyPr/>
-            <a:lstStyle/>
-            <a:p/>
-          </p:txBody>
-        </p:sp>
-        <p:sp>
-          <p:nvSpPr>
-            <p:cNvPr id="10" name="pl10"/>
-            <p:cNvSpPr/>
-            <p:nvPr/>
-          </p:nvSpPr>
-          <p:spPr>
-            <a:xfrm>
-              <a:off x="8422689" y="1590617"/>
-              <a:ext cx="0" cy="4048310"/>
-            </a:xfrm>
-            <a:custGeom>
-              <a:avLst/>
-              <a:pathLst>
-                <a:path w="0" h="4048310">
-                  <a:moveTo>
-                    <a:pt x="0" y="4048310"/>
-                  </a:moveTo>
-                  <a:lnTo>
-                    <a:pt x="0" y="0"/>
-                  </a:lnTo>
-                  <a:lnTo>
-                    <a:pt x="0" y="0"/>
-                  </a:lnTo>
-                </a:path>
-              </a:pathLst>
-            </a:custGeom>
-            <a:ln w="3387" cap="flat">
-              <a:solidFill>
-                <a:srgbClr val="DEDEDE">
-                  <a:alpha val="100000"/>
-                </a:srgbClr>
-              </a:solidFill>
-              <a:prstDash val="solid"/>
-              <a:round/>
-            </a:ln>
-          </p:spPr>
-          <p:txBody>
-            <a:bodyPr/>
-            <a:lstStyle/>
-            <a:p/>
-          </p:txBody>
-        </p:sp>
-        <p:sp>
-          <p:nvSpPr>
-            <p:cNvPr id="11" name="pl11"/>
-            <p:cNvSpPr/>
-            <p:nvPr/>
-          </p:nvSpPr>
-          <p:spPr>
-            <a:xfrm>
               <a:off x="3470153" y="5342710"/>
               <a:ext cx="5466938" cy="0"/>
             </a:xfrm>
@@ -3470,7 +3384,7 @@
         </p:sp>
         <p:sp>
           <p:nvSpPr>
-            <p:cNvPr id="12" name="pl12"/>
+            <p:cNvPr id="10" name="pl10"/>
             <p:cNvSpPr/>
             <p:nvPr/>
           </p:nvSpPr>
@@ -3513,7 +3427,7 @@
         </p:sp>
         <p:sp>
           <p:nvSpPr>
-            <p:cNvPr id="13" name="pl13"/>
+            <p:cNvPr id="11" name="pl11"/>
             <p:cNvSpPr/>
             <p:nvPr/>
           </p:nvSpPr>
@@ -3556,7 +3470,7 @@
         </p:sp>
         <p:sp>
           <p:nvSpPr>
-            <p:cNvPr id="14" name="pl14"/>
+            <p:cNvPr id="12" name="pl12"/>
             <p:cNvSpPr/>
             <p:nvPr/>
           </p:nvSpPr>
@@ -3599,7 +3513,7 @@
         </p:sp>
         <p:sp>
           <p:nvSpPr>
-            <p:cNvPr id="15" name="pl15"/>
+            <p:cNvPr id="13" name="pl13"/>
             <p:cNvSpPr/>
             <p:nvPr/>
           </p:nvSpPr>
@@ -3642,7 +3556,7 @@
         </p:sp>
         <p:sp>
           <p:nvSpPr>
-            <p:cNvPr id="16" name="pl16"/>
+            <p:cNvPr id="14" name="pl14"/>
             <p:cNvSpPr/>
             <p:nvPr/>
           </p:nvSpPr>
@@ -3685,7 +3599,7 @@
         </p:sp>
         <p:sp>
           <p:nvSpPr>
-            <p:cNvPr id="17" name="pl17"/>
+            <p:cNvPr id="15" name="pl15"/>
             <p:cNvSpPr/>
             <p:nvPr/>
           </p:nvSpPr>
@@ -3728,7 +3642,7 @@
         </p:sp>
         <p:sp>
           <p:nvSpPr>
-            <p:cNvPr id="18" name="pl18"/>
+            <p:cNvPr id="16" name="pl16"/>
             <p:cNvSpPr/>
             <p:nvPr/>
           </p:nvSpPr>
@@ -3771,7 +3685,7 @@
         </p:sp>
         <p:sp>
           <p:nvSpPr>
-            <p:cNvPr id="19" name="pl19"/>
+            <p:cNvPr id="17" name="pl17"/>
             <p:cNvSpPr/>
             <p:nvPr/>
           </p:nvSpPr>
@@ -3814,13 +3728,13 @@
         </p:sp>
         <p:sp>
           <p:nvSpPr>
-            <p:cNvPr id="20" name="pl20"/>
-            <p:cNvSpPr/>
-            <p:nvPr/>
-          </p:nvSpPr>
-          <p:spPr>
-            <a:xfrm>
-              <a:off x="4570717" y="1590617"/>
+            <p:cNvPr id="18" name="pl18"/>
+            <p:cNvSpPr/>
+            <p:nvPr/>
+          </p:nvSpPr>
+          <p:spPr>
+            <a:xfrm>
+              <a:off x="5060582" y="1590617"/>
               <a:ext cx="0" cy="4048310"/>
             </a:xfrm>
             <a:custGeom>
@@ -3857,13 +3771,13 @@
         </p:sp>
         <p:sp>
           <p:nvSpPr>
-            <p:cNvPr id="21" name="pl21"/>
-            <p:cNvSpPr/>
-            <p:nvPr/>
-          </p:nvSpPr>
-          <p:spPr>
-            <a:xfrm>
-              <a:off x="5671280" y="1590617"/>
+            <p:cNvPr id="19" name="pl19"/>
+            <p:cNvSpPr/>
+            <p:nvPr/>
+          </p:nvSpPr>
+          <p:spPr>
+            <a:xfrm>
+              <a:off x="6651010" y="1590617"/>
               <a:ext cx="0" cy="4048310"/>
             </a:xfrm>
             <a:custGeom>
@@ -3900,13 +3814,13 @@
         </p:sp>
         <p:sp>
           <p:nvSpPr>
-            <p:cNvPr id="22" name="pl22"/>
-            <p:cNvSpPr/>
-            <p:nvPr/>
-          </p:nvSpPr>
-          <p:spPr>
-            <a:xfrm>
-              <a:off x="6771843" y="1590617"/>
+            <p:cNvPr id="20" name="pl20"/>
+            <p:cNvSpPr/>
+            <p:nvPr/>
+          </p:nvSpPr>
+          <p:spPr>
+            <a:xfrm>
+              <a:off x="8241439" y="1590617"/>
               <a:ext cx="0" cy="4048310"/>
             </a:xfrm>
             <a:custGeom>
@@ -3943,50 +3857,7 @@
         </p:sp>
         <p:sp>
           <p:nvSpPr>
-            <p:cNvPr id="23" name="pl23"/>
-            <p:cNvSpPr/>
-            <p:nvPr/>
-          </p:nvSpPr>
-          <p:spPr>
-            <a:xfrm>
-              <a:off x="7872407" y="1590617"/>
-              <a:ext cx="0" cy="4048310"/>
-            </a:xfrm>
-            <a:custGeom>
-              <a:avLst/>
-              <a:pathLst>
-                <a:path w="0" h="4048310">
-                  <a:moveTo>
-                    <a:pt x="0" y="4048310"/>
-                  </a:moveTo>
-                  <a:lnTo>
-                    <a:pt x="0" y="0"/>
-                  </a:lnTo>
-                  <a:lnTo>
-                    <a:pt x="0" y="0"/>
-                  </a:lnTo>
-                </a:path>
-              </a:pathLst>
-            </a:custGeom>
-            <a:ln w="6775" cap="flat">
-              <a:solidFill>
-                <a:srgbClr val="DEDEDE">
-                  <a:alpha val="100000"/>
-                </a:srgbClr>
-              </a:solidFill>
-              <a:prstDash val="solid"/>
-              <a:round/>
-            </a:ln>
-          </p:spPr>
-          <p:txBody>
-            <a:bodyPr/>
-            <a:lstStyle/>
-            <a:p/>
-          </p:txBody>
-        </p:sp>
-        <p:sp>
-          <p:nvSpPr>
-            <p:cNvPr id="24" name="rc24"/>
+            <p:cNvPr id="21" name="rc21"/>
             <p:cNvSpPr/>
             <p:nvPr/>
           </p:nvSpPr>
@@ -4012,14 +3883,14 @@
         </p:sp>
         <p:sp>
           <p:nvSpPr>
-            <p:cNvPr id="25" name="rc25"/>
+            <p:cNvPr id="22" name="rc22"/>
             <p:cNvSpPr/>
             <p:nvPr/>
           </p:nvSpPr>
           <p:spPr>
             <a:xfrm>
               <a:off x="3470153" y="2158368"/>
-              <a:ext cx="4039067" cy="444326"/>
+              <a:ext cx="4055592" cy="444326"/>
             </a:xfrm>
             <a:prstGeom prst="rect">
               <a:avLst/>
@@ -4038,14 +3909,14 @@
         </p:sp>
         <p:sp>
           <p:nvSpPr>
-            <p:cNvPr id="26" name="rc26"/>
+            <p:cNvPr id="23" name="rc23"/>
             <p:cNvSpPr/>
             <p:nvPr/>
           </p:nvSpPr>
           <p:spPr>
             <a:xfrm>
               <a:off x="3470153" y="2652064"/>
-              <a:ext cx="3510797" cy="444326"/>
+              <a:ext cx="3347851" cy="444326"/>
             </a:xfrm>
             <a:prstGeom prst="rect">
               <a:avLst/>
@@ -4064,14 +3935,14 @@
         </p:sp>
         <p:sp>
           <p:nvSpPr>
-            <p:cNvPr id="27" name="rc27"/>
+            <p:cNvPr id="24" name="rc24"/>
             <p:cNvSpPr/>
             <p:nvPr/>
           </p:nvSpPr>
           <p:spPr>
             <a:xfrm>
               <a:off x="3470153" y="3145760"/>
-              <a:ext cx="2355205" cy="444326"/>
+              <a:ext cx="2322025" cy="444326"/>
             </a:xfrm>
             <a:prstGeom prst="rect">
               <a:avLst/>
@@ -4090,14 +3961,14 @@
         </p:sp>
         <p:sp>
           <p:nvSpPr>
-            <p:cNvPr id="28" name="rc28"/>
+            <p:cNvPr id="25" name="rc25"/>
             <p:cNvSpPr/>
             <p:nvPr/>
           </p:nvSpPr>
           <p:spPr>
             <a:xfrm>
               <a:off x="3470153" y="3639457"/>
-              <a:ext cx="2289171" cy="444326"/>
+              <a:ext cx="2322025" cy="444326"/>
             </a:xfrm>
             <a:prstGeom prst="rect">
               <a:avLst/>
@@ -4116,14 +3987,14 @@
         </p:sp>
         <p:sp>
           <p:nvSpPr>
-            <p:cNvPr id="29" name="rc29"/>
+            <p:cNvPr id="26" name="rc26"/>
             <p:cNvSpPr/>
             <p:nvPr/>
           </p:nvSpPr>
           <p:spPr>
             <a:xfrm>
               <a:off x="3470153" y="4133153"/>
-              <a:ext cx="1992019" cy="444326"/>
+              <a:ext cx="1821040" cy="444326"/>
             </a:xfrm>
             <a:prstGeom prst="rect">
               <a:avLst/>
@@ -4142,14 +4013,14 @@
         </p:sp>
         <p:sp>
           <p:nvSpPr>
-            <p:cNvPr id="30" name="rc30"/>
+            <p:cNvPr id="27" name="rc27"/>
             <p:cNvSpPr/>
             <p:nvPr/>
           </p:nvSpPr>
           <p:spPr>
             <a:xfrm>
               <a:off x="3470153" y="4626850"/>
-              <a:ext cx="1925986" cy="444326"/>
+              <a:ext cx="1749471" cy="444326"/>
             </a:xfrm>
             <a:prstGeom prst="rect">
               <a:avLst/>
@@ -4168,14 +4039,14 @@
         </p:sp>
         <p:sp>
           <p:nvSpPr>
-            <p:cNvPr id="31" name="rc31"/>
+            <p:cNvPr id="28" name="rc28"/>
             <p:cNvSpPr/>
             <p:nvPr/>
           </p:nvSpPr>
           <p:spPr>
             <a:xfrm>
               <a:off x="3470153" y="5120546"/>
-              <a:ext cx="1606822" cy="444326"/>
+              <a:ext cx="1677902" cy="444326"/>
             </a:xfrm>
             <a:prstGeom prst="rect">
               <a:avLst/>
@@ -4194,14 +4065,14 @@
         </p:sp>
         <p:sp>
           <p:nvSpPr>
-            <p:cNvPr id="32" name="tx32"/>
-            <p:cNvSpPr/>
-            <p:nvPr/>
-          </p:nvSpPr>
-          <p:spPr>
-            <a:xfrm>
-              <a:off x="8555205" y="1830822"/>
-              <a:ext cx="180869" cy="79292"/>
+            <p:cNvPr id="29" name="tx29"/>
+            <p:cNvSpPr/>
+            <p:nvPr/>
+          </p:nvSpPr>
+          <p:spPr>
+            <a:xfrm>
+              <a:off x="8556982" y="1830875"/>
+              <a:ext cx="180869" cy="79239"/>
             </a:xfrm>
             <a:prstGeom prst="rect">
               <a:avLst/>
@@ -4233,20 +4104,20 @@
                   <a:latin typeface="Arial"/>
                   <a:cs typeface="Arial"/>
                 </a:rPr>
-                <a:t>487</a:t>
+                <a:t>674</a:t>
               </a:r>
             </a:p>
           </p:txBody>
         </p:sp>
         <p:sp>
           <p:nvSpPr>
-            <p:cNvPr id="33" name="tx33"/>
-            <p:cNvSpPr/>
-            <p:nvPr/>
-          </p:nvSpPr>
-          <p:spPr>
-            <a:xfrm>
-              <a:off x="7234529" y="2324571"/>
+            <p:cNvPr id="30" name="tx30"/>
+            <p:cNvSpPr/>
+            <p:nvPr/>
+          </p:nvSpPr>
+          <p:spPr>
+            <a:xfrm>
+              <a:off x="7252831" y="2324571"/>
               <a:ext cx="180869" cy="79239"/>
             </a:xfrm>
             <a:prstGeom prst="rect">
@@ -4279,21 +4150,21 @@
                   <a:latin typeface="Arial"/>
                   <a:cs typeface="Arial"/>
                 </a:rPr>
-                <a:t>367</a:t>
+                <a:t>510</a:t>
               </a:r>
             </a:p>
           </p:txBody>
         </p:sp>
         <p:sp>
           <p:nvSpPr>
-            <p:cNvPr id="34" name="tx34"/>
-            <p:cNvSpPr/>
-            <p:nvPr/>
-          </p:nvSpPr>
-          <p:spPr>
-            <a:xfrm>
-              <a:off x="6706258" y="2818215"/>
-              <a:ext cx="180869" cy="79292"/>
+            <p:cNvPr id="31" name="tx31"/>
+            <p:cNvSpPr/>
+            <p:nvPr/>
+          </p:nvSpPr>
+          <p:spPr>
+            <a:xfrm>
+              <a:off x="6545090" y="2819591"/>
+              <a:ext cx="180869" cy="77916"/>
             </a:xfrm>
             <a:prstGeom prst="rect">
               <a:avLst/>
@@ -4325,21 +4196,21 @@
                   <a:latin typeface="Arial"/>
                   <a:cs typeface="Arial"/>
                 </a:rPr>
-                <a:t>319</a:t>
+                <a:t>421</a:t>
               </a:r>
             </a:p>
           </p:txBody>
         </p:sp>
         <p:sp>
           <p:nvSpPr>
-            <p:cNvPr id="35" name="tx35"/>
-            <p:cNvSpPr/>
-            <p:nvPr/>
-          </p:nvSpPr>
-          <p:spPr>
-            <a:xfrm>
-              <a:off x="5919182" y="3328807"/>
-              <a:ext cx="180869" cy="77916"/>
+            <p:cNvPr id="32" name="tx32"/>
+            <p:cNvSpPr/>
+            <p:nvPr/>
+          </p:nvSpPr>
+          <p:spPr>
+            <a:xfrm>
+              <a:off x="5884225" y="3327484"/>
+              <a:ext cx="180869" cy="79239"/>
             </a:xfrm>
             <a:prstGeom prst="rect">
               <a:avLst/>
@@ -4371,20 +4242,20 @@
                   <a:latin typeface="Arial"/>
                   <a:cs typeface="Arial"/>
                 </a:rPr>
-                <a:t>214</a:t>
+                <a:t>292</a:t>
               </a:r>
             </a:p>
           </p:txBody>
         </p:sp>
         <p:sp>
           <p:nvSpPr>
-            <p:cNvPr id="36" name="tx36"/>
-            <p:cNvSpPr/>
-            <p:nvPr/>
-          </p:nvSpPr>
-          <p:spPr>
-            <a:xfrm>
-              <a:off x="5853148" y="3821180"/>
+            <p:cNvPr id="33" name="tx33"/>
+            <p:cNvSpPr/>
+            <p:nvPr/>
+          </p:nvSpPr>
+          <p:spPr>
+            <a:xfrm>
+              <a:off x="5884225" y="3821180"/>
               <a:ext cx="180869" cy="79239"/>
             </a:xfrm>
             <a:prstGeom prst="rect">
@@ -4417,20 +4288,20 @@
                   <a:latin typeface="Arial"/>
                   <a:cs typeface="Arial"/>
                 </a:rPr>
-                <a:t>208</a:t>
+                <a:t>292</a:t>
               </a:r>
             </a:p>
           </p:txBody>
         </p:sp>
         <p:sp>
           <p:nvSpPr>
-            <p:cNvPr id="37" name="tx37"/>
-            <p:cNvSpPr/>
-            <p:nvPr/>
-          </p:nvSpPr>
-          <p:spPr>
-            <a:xfrm>
-              <a:off x="5555996" y="4314877"/>
+            <p:cNvPr id="34" name="tx34"/>
+            <p:cNvSpPr/>
+            <p:nvPr/>
+          </p:nvSpPr>
+          <p:spPr>
+            <a:xfrm>
+              <a:off x="5383240" y="4314877"/>
               <a:ext cx="180869" cy="79239"/>
             </a:xfrm>
             <a:prstGeom prst="rect">
@@ -4463,20 +4334,20 @@
                   <a:latin typeface="Arial"/>
                   <a:cs typeface="Arial"/>
                 </a:rPr>
-                <a:t>181</a:t>
+                <a:t>229</a:t>
               </a:r>
             </a:p>
           </p:txBody>
         </p:sp>
         <p:sp>
           <p:nvSpPr>
-            <p:cNvPr id="38" name="tx38"/>
-            <p:cNvSpPr/>
-            <p:nvPr/>
-          </p:nvSpPr>
-          <p:spPr>
-            <a:xfrm>
-              <a:off x="5489962" y="4808573"/>
+            <p:cNvPr id="35" name="tx35"/>
+            <p:cNvSpPr/>
+            <p:nvPr/>
+          </p:nvSpPr>
+          <p:spPr>
+            <a:xfrm>
+              <a:off x="5311671" y="4808573"/>
               <a:ext cx="180869" cy="79239"/>
             </a:xfrm>
             <a:prstGeom prst="rect">
@@ -4509,21 +4380,21 @@
                   <a:latin typeface="Arial"/>
                   <a:cs typeface="Arial"/>
                 </a:rPr>
-                <a:t>175</a:t>
+                <a:t>220</a:t>
               </a:r>
             </a:p>
           </p:txBody>
         </p:sp>
         <p:sp>
           <p:nvSpPr>
-            <p:cNvPr id="39" name="tx39"/>
-            <p:cNvSpPr/>
-            <p:nvPr/>
-          </p:nvSpPr>
-          <p:spPr>
-            <a:xfrm>
-              <a:off x="5170799" y="5302269"/>
-              <a:ext cx="180869" cy="79239"/>
+            <p:cNvPr id="36" name="tx36"/>
+            <p:cNvSpPr/>
+            <p:nvPr/>
+          </p:nvSpPr>
+          <p:spPr>
+            <a:xfrm>
+              <a:off x="5240101" y="5303593"/>
+              <a:ext cx="180869" cy="77916"/>
             </a:xfrm>
             <a:prstGeom prst="rect">
               <a:avLst/>
@@ -4555,14 +4426,14 @@
                   <a:latin typeface="Arial"/>
                   <a:cs typeface="Arial"/>
                 </a:rPr>
-                <a:t>146</a:t>
+                <a:t>211</a:t>
               </a:r>
             </a:p>
           </p:txBody>
         </p:sp>
         <p:sp>
           <p:nvSpPr>
-            <p:cNvPr id="40" name="rc40"/>
+            <p:cNvPr id="37" name="rc37"/>
             <p:cNvSpPr/>
             <p:nvPr/>
           </p:nvSpPr>
@@ -4592,7 +4463,7 @@
         </p:sp>
         <p:sp>
           <p:nvSpPr>
-            <p:cNvPr id="41" name="tx41"/>
+            <p:cNvPr id="38" name="tx38"/>
             <p:cNvSpPr/>
             <p:nvPr/>
           </p:nvSpPr>
@@ -4638,7 +4509,7 @@
         </p:sp>
         <p:sp>
           <p:nvSpPr>
-            <p:cNvPr id="42" name="tx42"/>
+            <p:cNvPr id="39" name="tx39"/>
             <p:cNvSpPr/>
             <p:nvPr/>
           </p:nvSpPr>
@@ -4684,7 +4555,7 @@
         </p:sp>
         <p:sp>
           <p:nvSpPr>
-            <p:cNvPr id="43" name="tx43"/>
+            <p:cNvPr id="40" name="tx40"/>
             <p:cNvSpPr/>
             <p:nvPr/>
           </p:nvSpPr>
@@ -4730,7 +4601,7 @@
         </p:sp>
         <p:sp>
           <p:nvSpPr>
-            <p:cNvPr id="44" name="tx44"/>
+            <p:cNvPr id="41" name="tx41"/>
             <p:cNvSpPr/>
             <p:nvPr/>
           </p:nvSpPr>
@@ -4776,7 +4647,7 @@
         </p:sp>
         <p:sp>
           <p:nvSpPr>
-            <p:cNvPr id="45" name="tx45"/>
+            <p:cNvPr id="42" name="tx42"/>
             <p:cNvSpPr/>
             <p:nvPr/>
           </p:nvSpPr>
@@ -4822,7 +4693,7 @@
         </p:sp>
         <p:sp>
           <p:nvSpPr>
-            <p:cNvPr id="46" name="tx46"/>
+            <p:cNvPr id="43" name="tx43"/>
             <p:cNvSpPr/>
             <p:nvPr/>
           </p:nvSpPr>
@@ -4868,7 +4739,7 @@
         </p:sp>
         <p:sp>
           <p:nvSpPr>
-            <p:cNvPr id="47" name="tx47"/>
+            <p:cNvPr id="44" name="tx44"/>
             <p:cNvSpPr/>
             <p:nvPr/>
           </p:nvSpPr>
@@ -4914,7 +4785,7 @@
         </p:sp>
         <p:sp>
           <p:nvSpPr>
-            <p:cNvPr id="48" name="tx48"/>
+            <p:cNvPr id="45" name="tx45"/>
             <p:cNvSpPr/>
             <p:nvPr/>
           </p:nvSpPr>
@@ -4960,7 +4831,7 @@
         </p:sp>
         <p:sp>
           <p:nvSpPr>
-            <p:cNvPr id="49" name="pl49"/>
+            <p:cNvPr id="46" name="pl46"/>
             <p:cNvSpPr/>
             <p:nvPr/>
           </p:nvSpPr>
@@ -5000,7 +4871,7 @@
         </p:sp>
         <p:sp>
           <p:nvSpPr>
-            <p:cNvPr id="50" name="pl50"/>
+            <p:cNvPr id="47" name="pl47"/>
             <p:cNvSpPr/>
             <p:nvPr/>
           </p:nvSpPr>
@@ -5040,7 +4911,7 @@
         </p:sp>
         <p:sp>
           <p:nvSpPr>
-            <p:cNvPr id="51" name="pl51"/>
+            <p:cNvPr id="48" name="pl48"/>
             <p:cNvSpPr/>
             <p:nvPr/>
           </p:nvSpPr>
@@ -5080,7 +4951,7 @@
         </p:sp>
         <p:sp>
           <p:nvSpPr>
-            <p:cNvPr id="52" name="pl52"/>
+            <p:cNvPr id="49" name="pl49"/>
             <p:cNvSpPr/>
             <p:nvPr/>
           </p:nvSpPr>
@@ -5120,7 +4991,7 @@
         </p:sp>
         <p:sp>
           <p:nvSpPr>
-            <p:cNvPr id="53" name="pl53"/>
+            <p:cNvPr id="50" name="pl50"/>
             <p:cNvSpPr/>
             <p:nvPr/>
           </p:nvSpPr>
@@ -5160,7 +5031,7 @@
         </p:sp>
         <p:sp>
           <p:nvSpPr>
-            <p:cNvPr id="54" name="pl54"/>
+            <p:cNvPr id="51" name="pl51"/>
             <p:cNvSpPr/>
             <p:nvPr/>
           </p:nvSpPr>
@@ -5200,7 +5071,7 @@
         </p:sp>
         <p:sp>
           <p:nvSpPr>
-            <p:cNvPr id="55" name="pl55"/>
+            <p:cNvPr id="52" name="pl52"/>
             <p:cNvSpPr/>
             <p:nvPr/>
           </p:nvSpPr>
@@ -5240,7 +5111,7 @@
         </p:sp>
         <p:sp>
           <p:nvSpPr>
-            <p:cNvPr id="56" name="pl56"/>
+            <p:cNvPr id="53" name="pl53"/>
             <p:cNvSpPr/>
             <p:nvPr/>
           </p:nvSpPr>
@@ -5280,7 +5151,7 @@
         </p:sp>
         <p:sp>
           <p:nvSpPr>
-            <p:cNvPr id="57" name="pl57"/>
+            <p:cNvPr id="54" name="pl54"/>
             <p:cNvSpPr/>
             <p:nvPr/>
           </p:nvSpPr>
@@ -5320,13 +5191,13 @@
         </p:sp>
         <p:sp>
           <p:nvSpPr>
-            <p:cNvPr id="58" name="pl58"/>
-            <p:cNvSpPr/>
-            <p:nvPr/>
-          </p:nvSpPr>
-          <p:spPr>
-            <a:xfrm>
-              <a:off x="4570717" y="5638927"/>
+            <p:cNvPr id="55" name="pl55"/>
+            <p:cNvSpPr/>
+            <p:nvPr/>
+          </p:nvSpPr>
+          <p:spPr>
+            <a:xfrm>
+              <a:off x="5060582" y="5638927"/>
               <a:ext cx="0" cy="34794"/>
             </a:xfrm>
             <a:custGeom>
@@ -5360,13 +5231,13 @@
         </p:sp>
         <p:sp>
           <p:nvSpPr>
-            <p:cNvPr id="59" name="pl59"/>
-            <p:cNvSpPr/>
-            <p:nvPr/>
-          </p:nvSpPr>
-          <p:spPr>
-            <a:xfrm>
-              <a:off x="5671280" y="5638927"/>
+            <p:cNvPr id="56" name="pl56"/>
+            <p:cNvSpPr/>
+            <p:nvPr/>
+          </p:nvSpPr>
+          <p:spPr>
+            <a:xfrm>
+              <a:off x="6651010" y="5638927"/>
               <a:ext cx="0" cy="34794"/>
             </a:xfrm>
             <a:custGeom>
@@ -5400,13 +5271,13 @@
         </p:sp>
         <p:sp>
           <p:nvSpPr>
-            <p:cNvPr id="60" name="pl60"/>
-            <p:cNvSpPr/>
-            <p:nvPr/>
-          </p:nvSpPr>
-          <p:spPr>
-            <a:xfrm>
-              <a:off x="6771843" y="5638927"/>
+            <p:cNvPr id="57" name="pl57"/>
+            <p:cNvSpPr/>
+            <p:nvPr/>
+          </p:nvSpPr>
+          <p:spPr>
+            <a:xfrm>
+              <a:off x="8241439" y="5638927"/>
               <a:ext cx="0" cy="34794"/>
             </a:xfrm>
             <a:custGeom>
@@ -5440,47 +5311,7 @@
         </p:sp>
         <p:sp>
           <p:nvSpPr>
-            <p:cNvPr id="61" name="pl61"/>
-            <p:cNvSpPr/>
-            <p:nvPr/>
-          </p:nvSpPr>
-          <p:spPr>
-            <a:xfrm>
-              <a:off x="7872407" y="5638927"/>
-              <a:ext cx="0" cy="34794"/>
-            </a:xfrm>
-            <a:custGeom>
-              <a:avLst/>
-              <a:pathLst>
-                <a:path w="0" h="34794">
-                  <a:moveTo>
-                    <a:pt x="0" y="34794"/>
-                  </a:moveTo>
-                  <a:lnTo>
-                    <a:pt x="0" y="0"/>
-                  </a:lnTo>
-                </a:path>
-              </a:pathLst>
-            </a:custGeom>
-            <a:ln w="6775" cap="flat">
-              <a:solidFill>
-                <a:srgbClr val="B3B3B3">
-                  <a:alpha val="100000"/>
-                </a:srgbClr>
-              </a:solidFill>
-              <a:prstDash val="solid"/>
-              <a:round/>
-            </a:ln>
-          </p:spPr>
-          <p:txBody>
-            <a:bodyPr/>
-            <a:lstStyle/>
-            <a:p/>
-          </p:txBody>
-        </p:sp>
-        <p:sp>
-          <p:nvSpPr>
-            <p:cNvPr id="62" name="tx62"/>
+            <p:cNvPr id="58" name="tx58"/>
             <p:cNvSpPr/>
             <p:nvPr/>
           </p:nvSpPr>
@@ -5526,59 +5357,13 @@
         </p:sp>
         <p:sp>
           <p:nvSpPr>
-            <p:cNvPr id="63" name="tx63"/>
-            <p:cNvSpPr/>
-            <p:nvPr/>
-          </p:nvSpPr>
-          <p:spPr>
-            <a:xfrm>
-              <a:off x="4477483" y="5699866"/>
-              <a:ext cx="186466" cy="81691"/>
-            </a:xfrm>
-            <a:prstGeom prst="rect">
-              <a:avLst/>
-            </a:prstGeom>
-            <a:noFill/>
-          </p:spPr>
-          <p:txBody>
-            <a:bodyPr lIns="0" rIns="0" tIns="0" bIns="0" anchorCtr="1" anchor="ctr" wrap="none"/>
-            <a:lstStyle/>
-            <a:p>
-              <a:pPr algn="l" marL="0" marR="0" indent="0">
-                <a:lnSpc>
-                  <a:spcPts val="880"/>
-                </a:lnSpc>
-                <a:spcBef>
-                  <a:spcPts val="0"/>
-                </a:spcBef>
-                <a:spcAft>
-                  <a:spcPts val="0"/>
-                </a:spcAft>
-              </a:pPr>
-              <a:r>
-                <a:rPr sz="880">
-                  <a:solidFill>
-                    <a:srgbClr val="4D4D4D">
-                      <a:alpha val="100000"/>
-                    </a:srgbClr>
-                  </a:solidFill>
-                  <a:latin typeface="Arial"/>
-                  <a:cs typeface="Arial"/>
-                </a:rPr>
-                <a:t>100</a:t>
-              </a:r>
-            </a:p>
-          </p:txBody>
-        </p:sp>
-        <p:sp>
-          <p:nvSpPr>
-            <p:cNvPr id="64" name="tx64"/>
-            <p:cNvSpPr/>
-            <p:nvPr/>
-          </p:nvSpPr>
-          <p:spPr>
-            <a:xfrm>
-              <a:off x="5578047" y="5699866"/>
+            <p:cNvPr id="59" name="tx59"/>
+            <p:cNvSpPr/>
+            <p:nvPr/>
+          </p:nvSpPr>
+          <p:spPr>
+            <a:xfrm>
+              <a:off x="4967348" y="5699866"/>
               <a:ext cx="186466" cy="81691"/>
             </a:xfrm>
             <a:prstGeom prst="rect">
@@ -5618,59 +5403,13 @@
         </p:sp>
         <p:sp>
           <p:nvSpPr>
-            <p:cNvPr id="65" name="tx65"/>
-            <p:cNvSpPr/>
-            <p:nvPr/>
-          </p:nvSpPr>
-          <p:spPr>
-            <a:xfrm>
-              <a:off x="6678610" y="5699811"/>
-              <a:ext cx="186466" cy="81746"/>
-            </a:xfrm>
-            <a:prstGeom prst="rect">
-              <a:avLst/>
-            </a:prstGeom>
-            <a:noFill/>
-          </p:spPr>
-          <p:txBody>
-            <a:bodyPr lIns="0" rIns="0" tIns="0" bIns="0" anchorCtr="1" anchor="ctr" wrap="none"/>
-            <a:lstStyle/>
-            <a:p>
-              <a:pPr algn="l" marL="0" marR="0" indent="0">
-                <a:lnSpc>
-                  <a:spcPts val="880"/>
-                </a:lnSpc>
-                <a:spcBef>
-                  <a:spcPts val="0"/>
-                </a:spcBef>
-                <a:spcAft>
-                  <a:spcPts val="0"/>
-                </a:spcAft>
-              </a:pPr>
-              <a:r>
-                <a:rPr sz="880">
-                  <a:solidFill>
-                    <a:srgbClr val="4D4D4D">
-                      <a:alpha val="100000"/>
-                    </a:srgbClr>
-                  </a:solidFill>
-                  <a:latin typeface="Arial"/>
-                  <a:cs typeface="Arial"/>
-                </a:rPr>
-                <a:t>300</a:t>
-              </a:r>
-            </a:p>
-          </p:txBody>
-        </p:sp>
-        <p:sp>
-          <p:nvSpPr>
-            <p:cNvPr id="66" name="tx66"/>
-            <p:cNvSpPr/>
-            <p:nvPr/>
-          </p:nvSpPr>
-          <p:spPr>
-            <a:xfrm>
-              <a:off x="7779174" y="5699866"/>
+            <p:cNvPr id="60" name="tx60"/>
+            <p:cNvSpPr/>
+            <p:nvPr/>
+          </p:nvSpPr>
+          <p:spPr>
+            <a:xfrm>
+              <a:off x="6557777" y="5699866"/>
               <a:ext cx="186466" cy="81691"/>
             </a:xfrm>
             <a:prstGeom prst="rect">
@@ -5704,6 +5443,52 @@
                   <a:cs typeface="Arial"/>
                 </a:rPr>
                 <a:t>400</a:t>
+              </a:r>
+            </a:p>
+          </p:txBody>
+        </p:sp>
+        <p:sp>
+          <p:nvSpPr>
+            <p:cNvPr id="61" name="tx61"/>
+            <p:cNvSpPr/>
+            <p:nvPr/>
+          </p:nvSpPr>
+          <p:spPr>
+            <a:xfrm>
+              <a:off x="8148205" y="5699866"/>
+              <a:ext cx="186466" cy="81691"/>
+            </a:xfrm>
+            <a:prstGeom prst="rect">
+              <a:avLst/>
+            </a:prstGeom>
+            <a:noFill/>
+          </p:spPr>
+          <p:txBody>
+            <a:bodyPr lIns="0" rIns="0" tIns="0" bIns="0" anchorCtr="1" anchor="ctr" wrap="none"/>
+            <a:lstStyle/>
+            <a:p>
+              <a:pPr algn="l" marL="0" marR="0" indent="0">
+                <a:lnSpc>
+                  <a:spcPts val="880"/>
+                </a:lnSpc>
+                <a:spcBef>
+                  <a:spcPts val="0"/>
+                </a:spcBef>
+                <a:spcAft>
+                  <a:spcPts val="0"/>
+                </a:spcAft>
+              </a:pPr>
+              <a:r>
+                <a:rPr sz="880">
+                  <a:solidFill>
+                    <a:srgbClr val="4D4D4D">
+                      <a:alpha val="100000"/>
+                    </a:srgbClr>
+                  </a:solidFill>
+                  <a:latin typeface="Arial"/>
+                  <a:cs typeface="Arial"/>
+                </a:rPr>
+                <a:t>600</a:t>
               </a:r>
             </a:p>
           </p:txBody>

--- a/_book/plot/pro-survey-q17-bar-1.pptx
+++ b/_book/plot/pro-survey-q17-bar-1.pptx
@@ -3218,7 +3218,7 @@
           </p:nvSpPr>
           <p:spPr>
             <a:xfrm>
-              <a:off x="4265367" y="1590617"/>
+              <a:off x="4213530" y="1590617"/>
               <a:ext cx="0" cy="4048310"/>
             </a:xfrm>
             <a:custGeom>
@@ -3261,7 +3261,7 @@
           </p:nvSpPr>
           <p:spPr>
             <a:xfrm>
-              <a:off x="5855796" y="1590617"/>
+              <a:off x="5700282" y="1590617"/>
               <a:ext cx="0" cy="4048310"/>
             </a:xfrm>
             <a:custGeom>
@@ -3304,7 +3304,7 @@
           </p:nvSpPr>
           <p:spPr>
             <a:xfrm>
-              <a:off x="7446224" y="1590617"/>
+              <a:off x="7187035" y="1590617"/>
               <a:ext cx="0" cy="4048310"/>
             </a:xfrm>
             <a:custGeom>
@@ -3347,6 +3347,49 @@
           </p:nvSpPr>
           <p:spPr>
             <a:xfrm>
+              <a:off x="8673788" y="1590617"/>
+              <a:ext cx="0" cy="4048310"/>
+            </a:xfrm>
+            <a:custGeom>
+              <a:avLst/>
+              <a:pathLst>
+                <a:path w="0" h="4048310">
+                  <a:moveTo>
+                    <a:pt x="0" y="4048310"/>
+                  </a:moveTo>
+                  <a:lnTo>
+                    <a:pt x="0" y="0"/>
+                  </a:lnTo>
+                  <a:lnTo>
+                    <a:pt x="0" y="0"/>
+                  </a:lnTo>
+                </a:path>
+              </a:pathLst>
+            </a:custGeom>
+            <a:ln w="3387" cap="flat">
+              <a:solidFill>
+                <a:srgbClr val="DEDEDE">
+                  <a:alpha val="100000"/>
+                </a:srgbClr>
+              </a:solidFill>
+              <a:prstDash val="solid"/>
+              <a:round/>
+            </a:ln>
+          </p:spPr>
+          <p:txBody>
+            <a:bodyPr/>
+            <a:lstStyle/>
+            <a:p/>
+          </p:txBody>
+        </p:sp>
+        <p:sp>
+          <p:nvSpPr>
+            <p:cNvPr id="10" name="pl10"/>
+            <p:cNvSpPr/>
+            <p:nvPr/>
+          </p:nvSpPr>
+          <p:spPr>
+            <a:xfrm>
               <a:off x="3470153" y="5342710"/>
               <a:ext cx="5466938" cy="0"/>
             </a:xfrm>
@@ -3384,7 +3427,7 @@
         </p:sp>
         <p:sp>
           <p:nvSpPr>
-            <p:cNvPr id="10" name="pl10"/>
+            <p:cNvPr id="11" name="pl11"/>
             <p:cNvSpPr/>
             <p:nvPr/>
           </p:nvSpPr>
@@ -3427,7 +3470,7 @@
         </p:sp>
         <p:sp>
           <p:nvSpPr>
-            <p:cNvPr id="11" name="pl11"/>
+            <p:cNvPr id="12" name="pl12"/>
             <p:cNvSpPr/>
             <p:nvPr/>
           </p:nvSpPr>
@@ -3470,7 +3513,7 @@
         </p:sp>
         <p:sp>
           <p:nvSpPr>
-            <p:cNvPr id="12" name="pl12"/>
+            <p:cNvPr id="13" name="pl13"/>
             <p:cNvSpPr/>
             <p:nvPr/>
           </p:nvSpPr>
@@ -3513,7 +3556,7 @@
         </p:sp>
         <p:sp>
           <p:nvSpPr>
-            <p:cNvPr id="13" name="pl13"/>
+            <p:cNvPr id="14" name="pl14"/>
             <p:cNvSpPr/>
             <p:nvPr/>
           </p:nvSpPr>
@@ -3556,7 +3599,7 @@
         </p:sp>
         <p:sp>
           <p:nvSpPr>
-            <p:cNvPr id="14" name="pl14"/>
+            <p:cNvPr id="15" name="pl15"/>
             <p:cNvSpPr/>
             <p:nvPr/>
           </p:nvSpPr>
@@ -3599,7 +3642,7 @@
         </p:sp>
         <p:sp>
           <p:nvSpPr>
-            <p:cNvPr id="15" name="pl15"/>
+            <p:cNvPr id="16" name="pl16"/>
             <p:cNvSpPr/>
             <p:nvPr/>
           </p:nvSpPr>
@@ -3642,7 +3685,7 @@
         </p:sp>
         <p:sp>
           <p:nvSpPr>
-            <p:cNvPr id="16" name="pl16"/>
+            <p:cNvPr id="17" name="pl17"/>
             <p:cNvSpPr/>
             <p:nvPr/>
           </p:nvSpPr>
@@ -3685,7 +3728,7 @@
         </p:sp>
         <p:sp>
           <p:nvSpPr>
-            <p:cNvPr id="17" name="pl17"/>
+            <p:cNvPr id="18" name="pl18"/>
             <p:cNvSpPr/>
             <p:nvPr/>
           </p:nvSpPr>
@@ -3728,13 +3771,13 @@
         </p:sp>
         <p:sp>
           <p:nvSpPr>
-            <p:cNvPr id="18" name="pl18"/>
-            <p:cNvSpPr/>
-            <p:nvPr/>
-          </p:nvSpPr>
-          <p:spPr>
-            <a:xfrm>
-              <a:off x="5060582" y="1590617"/>
+            <p:cNvPr id="19" name="pl19"/>
+            <p:cNvSpPr/>
+            <p:nvPr/>
+          </p:nvSpPr>
+          <p:spPr>
+            <a:xfrm>
+              <a:off x="4956906" y="1590617"/>
               <a:ext cx="0" cy="4048310"/>
             </a:xfrm>
             <a:custGeom>
@@ -3771,13 +3814,13 @@
         </p:sp>
         <p:sp>
           <p:nvSpPr>
-            <p:cNvPr id="19" name="pl19"/>
-            <p:cNvSpPr/>
-            <p:nvPr/>
-          </p:nvSpPr>
-          <p:spPr>
-            <a:xfrm>
-              <a:off x="6651010" y="1590617"/>
+            <p:cNvPr id="20" name="pl20"/>
+            <p:cNvSpPr/>
+            <p:nvPr/>
+          </p:nvSpPr>
+          <p:spPr>
+            <a:xfrm>
+              <a:off x="6443659" y="1590617"/>
               <a:ext cx="0" cy="4048310"/>
             </a:xfrm>
             <a:custGeom>
@@ -3814,13 +3857,13 @@
         </p:sp>
         <p:sp>
           <p:nvSpPr>
-            <p:cNvPr id="20" name="pl20"/>
-            <p:cNvSpPr/>
-            <p:nvPr/>
-          </p:nvSpPr>
-          <p:spPr>
-            <a:xfrm>
-              <a:off x="8241439" y="1590617"/>
+            <p:cNvPr id="21" name="pl21"/>
+            <p:cNvSpPr/>
+            <p:nvPr/>
+          </p:nvSpPr>
+          <p:spPr>
+            <a:xfrm>
+              <a:off x="7930412" y="1590617"/>
               <a:ext cx="0" cy="4048310"/>
             </a:xfrm>
             <a:custGeom>
@@ -3857,7 +3900,7 @@
         </p:sp>
         <p:sp>
           <p:nvSpPr>
-            <p:cNvPr id="21" name="rc21"/>
+            <p:cNvPr id="22" name="rc22"/>
             <p:cNvSpPr/>
             <p:nvPr/>
           </p:nvSpPr>
@@ -3883,14 +3926,14 @@
         </p:sp>
         <p:sp>
           <p:nvSpPr>
-            <p:cNvPr id="22" name="rc22"/>
+            <p:cNvPr id="23" name="rc23"/>
             <p:cNvSpPr/>
             <p:nvPr/>
           </p:nvSpPr>
           <p:spPr>
             <a:xfrm>
               <a:off x="3470153" y="2158368"/>
-              <a:ext cx="4055592" cy="444326"/>
+              <a:ext cx="4043967" cy="444326"/>
             </a:xfrm>
             <a:prstGeom prst="rect">
               <a:avLst/>
@@ -3909,14 +3952,14 @@
         </p:sp>
         <p:sp>
           <p:nvSpPr>
-            <p:cNvPr id="23" name="rc23"/>
+            <p:cNvPr id="24" name="rc24"/>
             <p:cNvSpPr/>
             <p:nvPr/>
           </p:nvSpPr>
           <p:spPr>
             <a:xfrm>
               <a:off x="3470153" y="2652064"/>
-              <a:ext cx="3347851" cy="444326"/>
+              <a:ext cx="3322892" cy="444326"/>
             </a:xfrm>
             <a:prstGeom prst="rect">
               <a:avLst/>
@@ -3935,14 +3978,14 @@
         </p:sp>
         <p:sp>
           <p:nvSpPr>
-            <p:cNvPr id="24" name="rc24"/>
+            <p:cNvPr id="25" name="rc25"/>
             <p:cNvSpPr/>
             <p:nvPr/>
           </p:nvSpPr>
           <p:spPr>
             <a:xfrm>
               <a:off x="3470153" y="3145760"/>
-              <a:ext cx="2322025" cy="444326"/>
+              <a:ext cx="2319334" cy="444326"/>
             </a:xfrm>
             <a:prstGeom prst="rect">
               <a:avLst/>
@@ -3961,14 +4004,14 @@
         </p:sp>
         <p:sp>
           <p:nvSpPr>
-            <p:cNvPr id="25" name="rc25"/>
+            <p:cNvPr id="26" name="rc26"/>
             <p:cNvSpPr/>
             <p:nvPr/>
           </p:nvSpPr>
           <p:spPr>
             <a:xfrm>
               <a:off x="3470153" y="3639457"/>
-              <a:ext cx="2322025" cy="444326"/>
+              <a:ext cx="2304466" cy="444326"/>
             </a:xfrm>
             <a:prstGeom prst="rect">
               <a:avLst/>
@@ -3987,14 +4030,14 @@
         </p:sp>
         <p:sp>
           <p:nvSpPr>
-            <p:cNvPr id="26" name="rc26"/>
+            <p:cNvPr id="27" name="rc27"/>
             <p:cNvSpPr/>
             <p:nvPr/>
           </p:nvSpPr>
           <p:spPr>
             <a:xfrm>
               <a:off x="3470153" y="4133153"/>
-              <a:ext cx="1821040" cy="444326"/>
+              <a:ext cx="1798970" cy="444326"/>
             </a:xfrm>
             <a:prstGeom prst="rect">
               <a:avLst/>
@@ -4013,14 +4056,14 @@
         </p:sp>
         <p:sp>
           <p:nvSpPr>
-            <p:cNvPr id="27" name="rc27"/>
+            <p:cNvPr id="28" name="rc28"/>
             <p:cNvSpPr/>
             <p:nvPr/>
           </p:nvSpPr>
           <p:spPr>
             <a:xfrm>
               <a:off x="3470153" y="4626850"/>
-              <a:ext cx="1749471" cy="444326"/>
+              <a:ext cx="1739500" cy="444326"/>
             </a:xfrm>
             <a:prstGeom prst="rect">
               <a:avLst/>
@@ -4039,14 +4082,14 @@
         </p:sp>
         <p:sp>
           <p:nvSpPr>
-            <p:cNvPr id="28" name="rc28"/>
+            <p:cNvPr id="29" name="rc29"/>
             <p:cNvSpPr/>
             <p:nvPr/>
           </p:nvSpPr>
           <p:spPr>
             <a:xfrm>
               <a:off x="3470153" y="5120546"/>
-              <a:ext cx="1677902" cy="444326"/>
+              <a:ext cx="1717199" cy="444326"/>
             </a:xfrm>
             <a:prstGeom prst="rect">
               <a:avLst/>
@@ -4065,14 +4108,14 @@
         </p:sp>
         <p:sp>
           <p:nvSpPr>
-            <p:cNvPr id="29" name="tx29"/>
-            <p:cNvSpPr/>
-            <p:nvPr/>
-          </p:nvSpPr>
-          <p:spPr>
-            <a:xfrm>
-              <a:off x="8556982" y="1830875"/>
-              <a:ext cx="180869" cy="79239"/>
+            <p:cNvPr id="30" name="tx30"/>
+            <p:cNvSpPr/>
+            <p:nvPr/>
+          </p:nvSpPr>
+          <p:spPr>
+            <a:xfrm>
+              <a:off x="8557964" y="1832198"/>
+              <a:ext cx="180869" cy="77916"/>
             </a:xfrm>
             <a:prstGeom prst="rect">
               <a:avLst/>
@@ -4104,20 +4147,20 @@
                   <a:latin typeface="Arial"/>
                   <a:cs typeface="Arial"/>
                 </a:rPr>
-                <a:t>674</a:t>
+                <a:t>721</a:t>
               </a:r>
             </a:p>
           </p:txBody>
         </p:sp>
         <p:sp>
           <p:nvSpPr>
-            <p:cNvPr id="30" name="tx30"/>
-            <p:cNvSpPr/>
-            <p:nvPr/>
-          </p:nvSpPr>
-          <p:spPr>
-            <a:xfrm>
-              <a:off x="7252831" y="2324571"/>
+            <p:cNvPr id="31" name="tx31"/>
+            <p:cNvSpPr/>
+            <p:nvPr/>
+          </p:nvSpPr>
+          <p:spPr>
+            <a:xfrm>
+              <a:off x="7242188" y="2324571"/>
               <a:ext cx="180869" cy="79239"/>
             </a:xfrm>
             <a:prstGeom prst="rect">
@@ -4150,20 +4193,20 @@
                   <a:latin typeface="Arial"/>
                   <a:cs typeface="Arial"/>
                 </a:rPr>
-                <a:t>510</a:t>
+                <a:t>544</a:t>
               </a:r>
             </a:p>
           </p:txBody>
         </p:sp>
         <p:sp>
           <p:nvSpPr>
-            <p:cNvPr id="31" name="tx31"/>
-            <p:cNvSpPr/>
-            <p:nvPr/>
-          </p:nvSpPr>
-          <p:spPr>
-            <a:xfrm>
-              <a:off x="6545090" y="2819591"/>
+            <p:cNvPr id="32" name="tx32"/>
+            <p:cNvSpPr/>
+            <p:nvPr/>
+          </p:nvSpPr>
+          <p:spPr>
+            <a:xfrm>
+              <a:off x="6521113" y="2819591"/>
               <a:ext cx="180869" cy="77916"/>
             </a:xfrm>
             <a:prstGeom prst="rect">
@@ -4196,21 +4239,21 @@
                   <a:latin typeface="Arial"/>
                   <a:cs typeface="Arial"/>
                 </a:rPr>
-                <a:t>421</a:t>
+                <a:t>447</a:t>
               </a:r>
             </a:p>
           </p:txBody>
         </p:sp>
         <p:sp>
           <p:nvSpPr>
-            <p:cNvPr id="32" name="tx32"/>
-            <p:cNvSpPr/>
-            <p:nvPr/>
-          </p:nvSpPr>
-          <p:spPr>
-            <a:xfrm>
-              <a:off x="5884225" y="3327484"/>
-              <a:ext cx="180869" cy="79239"/>
+            <p:cNvPr id="33" name="tx33"/>
+            <p:cNvSpPr/>
+            <p:nvPr/>
+          </p:nvSpPr>
+          <p:spPr>
+            <a:xfrm>
+              <a:off x="5880551" y="3327431"/>
+              <a:ext cx="180869" cy="79292"/>
             </a:xfrm>
             <a:prstGeom prst="rect">
               <a:avLst/>
@@ -4242,21 +4285,21 @@
                   <a:latin typeface="Arial"/>
                   <a:cs typeface="Arial"/>
                 </a:rPr>
-                <a:t>292</a:t>
+                <a:t>312</a:t>
               </a:r>
             </a:p>
           </p:txBody>
         </p:sp>
         <p:sp>
           <p:nvSpPr>
-            <p:cNvPr id="33" name="tx33"/>
-            <p:cNvSpPr/>
-            <p:nvPr/>
-          </p:nvSpPr>
-          <p:spPr>
-            <a:xfrm>
-              <a:off x="5884225" y="3821180"/>
-              <a:ext cx="180869" cy="79239"/>
+            <p:cNvPr id="34" name="tx34"/>
+            <p:cNvSpPr/>
+            <p:nvPr/>
+          </p:nvSpPr>
+          <p:spPr>
+            <a:xfrm>
+              <a:off x="5865684" y="3821127"/>
+              <a:ext cx="180869" cy="79292"/>
             </a:xfrm>
             <a:prstGeom prst="rect">
               <a:avLst/>
@@ -4288,21 +4331,21 @@
                   <a:latin typeface="Arial"/>
                   <a:cs typeface="Arial"/>
                 </a:rPr>
-                <a:t>292</a:t>
+                <a:t>310</a:t>
               </a:r>
             </a:p>
           </p:txBody>
         </p:sp>
         <p:sp>
           <p:nvSpPr>
-            <p:cNvPr id="34" name="tx34"/>
-            <p:cNvSpPr/>
-            <p:nvPr/>
-          </p:nvSpPr>
-          <p:spPr>
-            <a:xfrm>
-              <a:off x="5383240" y="4314877"/>
-              <a:ext cx="180869" cy="79239"/>
+            <p:cNvPr id="35" name="tx35"/>
+            <p:cNvSpPr/>
+            <p:nvPr/>
+          </p:nvSpPr>
+          <p:spPr>
+            <a:xfrm>
+              <a:off x="5360188" y="4316200"/>
+              <a:ext cx="180869" cy="77916"/>
             </a:xfrm>
             <a:prstGeom prst="rect">
               <a:avLst/>
@@ -4334,21 +4377,21 @@
                   <a:latin typeface="Arial"/>
                   <a:cs typeface="Arial"/>
                 </a:rPr>
-                <a:t>229</a:t>
+                <a:t>242</a:t>
               </a:r>
             </a:p>
           </p:txBody>
         </p:sp>
         <p:sp>
           <p:nvSpPr>
-            <p:cNvPr id="35" name="tx35"/>
-            <p:cNvSpPr/>
-            <p:nvPr/>
-          </p:nvSpPr>
-          <p:spPr>
-            <a:xfrm>
-              <a:off x="5311671" y="4808573"/>
-              <a:ext cx="180869" cy="79239"/>
+            <p:cNvPr id="36" name="tx36"/>
+            <p:cNvSpPr/>
+            <p:nvPr/>
+          </p:nvSpPr>
+          <p:spPr>
+            <a:xfrm>
+              <a:off x="5300718" y="4808520"/>
+              <a:ext cx="180869" cy="79292"/>
             </a:xfrm>
             <a:prstGeom prst="rect">
               <a:avLst/>
@@ -4380,21 +4423,21 @@
                   <a:latin typeface="Arial"/>
                   <a:cs typeface="Arial"/>
                 </a:rPr>
-                <a:t>220</a:t>
+                <a:t>234</a:t>
               </a:r>
             </a:p>
           </p:txBody>
         </p:sp>
         <p:sp>
           <p:nvSpPr>
-            <p:cNvPr id="36" name="tx36"/>
-            <p:cNvSpPr/>
-            <p:nvPr/>
-          </p:nvSpPr>
-          <p:spPr>
-            <a:xfrm>
-              <a:off x="5240101" y="5303593"/>
-              <a:ext cx="180869" cy="77916"/>
+            <p:cNvPr id="37" name="tx37"/>
+            <p:cNvSpPr/>
+            <p:nvPr/>
+          </p:nvSpPr>
+          <p:spPr>
+            <a:xfrm>
+              <a:off x="5278416" y="5302216"/>
+              <a:ext cx="180869" cy="79292"/>
             </a:xfrm>
             <a:prstGeom prst="rect">
               <a:avLst/>
@@ -4426,14 +4469,14 @@
                   <a:latin typeface="Arial"/>
                   <a:cs typeface="Arial"/>
                 </a:rPr>
-                <a:t>211</a:t>
+                <a:t>231</a:t>
               </a:r>
             </a:p>
           </p:txBody>
         </p:sp>
         <p:sp>
           <p:nvSpPr>
-            <p:cNvPr id="37" name="rc37"/>
+            <p:cNvPr id="38" name="rc38"/>
             <p:cNvSpPr/>
             <p:nvPr/>
           </p:nvSpPr>
@@ -4463,7 +4506,7 @@
         </p:sp>
         <p:sp>
           <p:nvSpPr>
-            <p:cNvPr id="38" name="tx38"/>
+            <p:cNvPr id="39" name="tx39"/>
             <p:cNvSpPr/>
             <p:nvPr/>
           </p:nvSpPr>
@@ -4509,7 +4552,7 @@
         </p:sp>
         <p:sp>
           <p:nvSpPr>
-            <p:cNvPr id="39" name="tx39"/>
+            <p:cNvPr id="40" name="tx40"/>
             <p:cNvSpPr/>
             <p:nvPr/>
           </p:nvSpPr>
@@ -4555,7 +4598,7 @@
         </p:sp>
         <p:sp>
           <p:nvSpPr>
-            <p:cNvPr id="40" name="tx40"/>
+            <p:cNvPr id="41" name="tx41"/>
             <p:cNvSpPr/>
             <p:nvPr/>
           </p:nvSpPr>
@@ -4601,13 +4644,59 @@
         </p:sp>
         <p:sp>
           <p:nvSpPr>
-            <p:cNvPr id="41" name="tx41"/>
+            <p:cNvPr id="42" name="tx42"/>
             <p:cNvSpPr/>
             <p:nvPr/>
           </p:nvSpPr>
           <p:spPr>
             <a:xfrm>
               <a:off x="2094239" y="3831770"/>
+              <a:ext cx="1341119" cy="69850"/>
+            </a:xfrm>
+            <a:prstGeom prst="rect">
+              <a:avLst/>
+            </a:prstGeom>
+            <a:noFill/>
+          </p:spPr>
+          <p:txBody>
+            <a:bodyPr lIns="0" rIns="0" tIns="0" bIns="0" anchorCtr="1" anchor="ctr" wrap="none"/>
+            <a:lstStyle/>
+            <a:p>
+              <a:pPr algn="l" marL="0" marR="0" indent="0">
+                <a:lnSpc>
+                  <a:spcPts val="880"/>
+                </a:lnSpc>
+                <a:spcBef>
+                  <a:spcPts val="0"/>
+                </a:spcBef>
+                <a:spcAft>
+                  <a:spcPts val="0"/>
+                </a:spcAft>
+              </a:pPr>
+              <a:r>
+                <a:rPr sz="880" b="1">
+                  <a:solidFill>
+                    <a:srgbClr val="4D4D4D">
+                      <a:alpha val="100000"/>
+                    </a:srgbClr>
+                  </a:solidFill>
+                  <a:latin typeface="Arial"/>
+                  <a:cs typeface="Arial"/>
+                </a:rPr>
+                <a:t>精神调节（如抵抗抑郁，降低自闭）</a:t>
+              </a:r>
+            </a:p>
+          </p:txBody>
+        </p:sp>
+        <p:sp>
+          <p:nvSpPr>
+            <p:cNvPr id="43" name="tx43"/>
+            <p:cNvSpPr/>
+            <p:nvPr/>
+          </p:nvSpPr>
+          <p:spPr>
+            <a:xfrm>
+              <a:off x="2094239" y="3338074"/>
               <a:ext cx="1341119" cy="69850"/>
             </a:xfrm>
             <a:prstGeom prst="rect">
@@ -4647,53 +4736,7 @@
         </p:sp>
         <p:sp>
           <p:nvSpPr>
-            <p:cNvPr id="42" name="tx42"/>
-            <p:cNvSpPr/>
-            <p:nvPr/>
-          </p:nvSpPr>
-          <p:spPr>
-            <a:xfrm>
-              <a:off x="2094239" y="3338074"/>
-              <a:ext cx="1341119" cy="69850"/>
-            </a:xfrm>
-            <a:prstGeom prst="rect">
-              <a:avLst/>
-            </a:prstGeom>
-            <a:noFill/>
-          </p:spPr>
-          <p:txBody>
-            <a:bodyPr lIns="0" rIns="0" tIns="0" bIns="0" anchorCtr="1" anchor="ctr" wrap="none"/>
-            <a:lstStyle/>
-            <a:p>
-              <a:pPr algn="l" marL="0" marR="0" indent="0">
-                <a:lnSpc>
-                  <a:spcPts val="880"/>
-                </a:lnSpc>
-                <a:spcBef>
-                  <a:spcPts val="0"/>
-                </a:spcBef>
-                <a:spcAft>
-                  <a:spcPts val="0"/>
-                </a:spcAft>
-              </a:pPr>
-              <a:r>
-                <a:rPr sz="880" b="1">
-                  <a:solidFill>
-                    <a:srgbClr val="4D4D4D">
-                      <a:alpha val="100000"/>
-                    </a:srgbClr>
-                  </a:solidFill>
-                  <a:latin typeface="Arial"/>
-                  <a:cs typeface="Arial"/>
-                </a:rPr>
-                <a:t>精神调节（如抵抗抑郁，降低自闭）</a:t>
-              </a:r>
-            </a:p>
-          </p:txBody>
-        </p:sp>
-        <p:sp>
-          <p:nvSpPr>
-            <p:cNvPr id="43" name="tx43"/>
+            <p:cNvPr id="44" name="tx44"/>
             <p:cNvSpPr/>
             <p:nvPr/>
           </p:nvSpPr>
@@ -4739,7 +4782,7 @@
         </p:sp>
         <p:sp>
           <p:nvSpPr>
-            <p:cNvPr id="44" name="tx44"/>
+            <p:cNvPr id="45" name="tx45"/>
             <p:cNvSpPr/>
             <p:nvPr/>
           </p:nvSpPr>
@@ -4785,7 +4828,7 @@
         </p:sp>
         <p:sp>
           <p:nvSpPr>
-            <p:cNvPr id="45" name="tx45"/>
+            <p:cNvPr id="46" name="tx46"/>
             <p:cNvSpPr/>
             <p:nvPr/>
           </p:nvSpPr>
@@ -4831,7 +4874,7 @@
         </p:sp>
         <p:sp>
           <p:nvSpPr>
-            <p:cNvPr id="46" name="pl46"/>
+            <p:cNvPr id="47" name="pl47"/>
             <p:cNvSpPr/>
             <p:nvPr/>
           </p:nvSpPr>
@@ -4871,7 +4914,7 @@
         </p:sp>
         <p:sp>
           <p:nvSpPr>
-            <p:cNvPr id="47" name="pl47"/>
+            <p:cNvPr id="48" name="pl48"/>
             <p:cNvSpPr/>
             <p:nvPr/>
           </p:nvSpPr>
@@ -4911,7 +4954,7 @@
         </p:sp>
         <p:sp>
           <p:nvSpPr>
-            <p:cNvPr id="48" name="pl48"/>
+            <p:cNvPr id="49" name="pl49"/>
             <p:cNvSpPr/>
             <p:nvPr/>
           </p:nvSpPr>
@@ -4951,7 +4994,7 @@
         </p:sp>
         <p:sp>
           <p:nvSpPr>
-            <p:cNvPr id="49" name="pl49"/>
+            <p:cNvPr id="50" name="pl50"/>
             <p:cNvSpPr/>
             <p:nvPr/>
           </p:nvSpPr>
@@ -4991,7 +5034,7 @@
         </p:sp>
         <p:sp>
           <p:nvSpPr>
-            <p:cNvPr id="50" name="pl50"/>
+            <p:cNvPr id="51" name="pl51"/>
             <p:cNvSpPr/>
             <p:nvPr/>
           </p:nvSpPr>
@@ -5031,7 +5074,7 @@
         </p:sp>
         <p:sp>
           <p:nvSpPr>
-            <p:cNvPr id="51" name="pl51"/>
+            <p:cNvPr id="52" name="pl52"/>
             <p:cNvSpPr/>
             <p:nvPr/>
           </p:nvSpPr>
@@ -5071,7 +5114,7 @@
         </p:sp>
         <p:sp>
           <p:nvSpPr>
-            <p:cNvPr id="52" name="pl52"/>
+            <p:cNvPr id="53" name="pl53"/>
             <p:cNvSpPr/>
             <p:nvPr/>
           </p:nvSpPr>
@@ -5111,7 +5154,7 @@
         </p:sp>
         <p:sp>
           <p:nvSpPr>
-            <p:cNvPr id="53" name="pl53"/>
+            <p:cNvPr id="54" name="pl54"/>
             <p:cNvSpPr/>
             <p:nvPr/>
           </p:nvSpPr>
@@ -5151,7 +5194,7 @@
         </p:sp>
         <p:sp>
           <p:nvSpPr>
-            <p:cNvPr id="54" name="pl54"/>
+            <p:cNvPr id="55" name="pl55"/>
             <p:cNvSpPr/>
             <p:nvPr/>
           </p:nvSpPr>
@@ -5191,13 +5234,13 @@
         </p:sp>
         <p:sp>
           <p:nvSpPr>
-            <p:cNvPr id="55" name="pl55"/>
-            <p:cNvSpPr/>
-            <p:nvPr/>
-          </p:nvSpPr>
-          <p:spPr>
-            <a:xfrm>
-              <a:off x="5060582" y="5638927"/>
+            <p:cNvPr id="56" name="pl56"/>
+            <p:cNvSpPr/>
+            <p:nvPr/>
+          </p:nvSpPr>
+          <p:spPr>
+            <a:xfrm>
+              <a:off x="4956906" y="5638927"/>
               <a:ext cx="0" cy="34794"/>
             </a:xfrm>
             <a:custGeom>
@@ -5231,13 +5274,13 @@
         </p:sp>
         <p:sp>
           <p:nvSpPr>
-            <p:cNvPr id="56" name="pl56"/>
-            <p:cNvSpPr/>
-            <p:nvPr/>
-          </p:nvSpPr>
-          <p:spPr>
-            <a:xfrm>
-              <a:off x="6651010" y="5638927"/>
+            <p:cNvPr id="57" name="pl57"/>
+            <p:cNvSpPr/>
+            <p:nvPr/>
+          </p:nvSpPr>
+          <p:spPr>
+            <a:xfrm>
+              <a:off x="6443659" y="5638927"/>
               <a:ext cx="0" cy="34794"/>
             </a:xfrm>
             <a:custGeom>
@@ -5271,13 +5314,13 @@
         </p:sp>
         <p:sp>
           <p:nvSpPr>
-            <p:cNvPr id="57" name="pl57"/>
-            <p:cNvSpPr/>
-            <p:nvPr/>
-          </p:nvSpPr>
-          <p:spPr>
-            <a:xfrm>
-              <a:off x="8241439" y="5638927"/>
+            <p:cNvPr id="58" name="pl58"/>
+            <p:cNvSpPr/>
+            <p:nvPr/>
+          </p:nvSpPr>
+          <p:spPr>
+            <a:xfrm>
+              <a:off x="7930412" y="5638927"/>
               <a:ext cx="0" cy="34794"/>
             </a:xfrm>
             <a:custGeom>
@@ -5311,7 +5354,7 @@
         </p:sp>
         <p:sp>
           <p:nvSpPr>
-            <p:cNvPr id="58" name="tx58"/>
+            <p:cNvPr id="59" name="tx59"/>
             <p:cNvSpPr/>
             <p:nvPr/>
           </p:nvSpPr>
@@ -5357,13 +5400,13 @@
         </p:sp>
         <p:sp>
           <p:nvSpPr>
-            <p:cNvPr id="59" name="tx59"/>
-            <p:cNvSpPr/>
-            <p:nvPr/>
-          </p:nvSpPr>
-          <p:spPr>
-            <a:xfrm>
-              <a:off x="4967348" y="5699866"/>
+            <p:cNvPr id="60" name="tx60"/>
+            <p:cNvSpPr/>
+            <p:nvPr/>
+          </p:nvSpPr>
+          <p:spPr>
+            <a:xfrm>
+              <a:off x="4863673" y="5699866"/>
               <a:ext cx="186466" cy="81691"/>
             </a:xfrm>
             <a:prstGeom prst="rect">
@@ -5403,13 +5446,13 @@
         </p:sp>
         <p:sp>
           <p:nvSpPr>
-            <p:cNvPr id="60" name="tx60"/>
-            <p:cNvSpPr/>
-            <p:nvPr/>
-          </p:nvSpPr>
-          <p:spPr>
-            <a:xfrm>
-              <a:off x="6557777" y="5699866"/>
+            <p:cNvPr id="61" name="tx61"/>
+            <p:cNvSpPr/>
+            <p:nvPr/>
+          </p:nvSpPr>
+          <p:spPr>
+            <a:xfrm>
+              <a:off x="6350425" y="5699866"/>
               <a:ext cx="186466" cy="81691"/>
             </a:xfrm>
             <a:prstGeom prst="rect">
@@ -5449,13 +5492,13 @@
         </p:sp>
         <p:sp>
           <p:nvSpPr>
-            <p:cNvPr id="61" name="tx61"/>
-            <p:cNvSpPr/>
-            <p:nvPr/>
-          </p:nvSpPr>
-          <p:spPr>
-            <a:xfrm>
-              <a:off x="8148205" y="5699866"/>
+            <p:cNvPr id="62" name="tx62"/>
+            <p:cNvSpPr/>
+            <p:nvPr/>
+          </p:nvSpPr>
+          <p:spPr>
+            <a:xfrm>
+              <a:off x="7837178" y="5699866"/>
               <a:ext cx="186466" cy="81691"/>
             </a:xfrm>
             <a:prstGeom prst="rect">
